--- a/public/projects/15-solar-power-plant-vilshanka/15-solar-power-plant-vilshanka.pptx
+++ b/public/projects/15-solar-power-plant-vilshanka/15-solar-power-plant-vilshanka.pptx
@@ -8,7 +8,7 @@
     <p:sldId id="259" r:id="rId2"/>
     <p:sldId id="256" r:id="rId3"/>
     <p:sldId id="257" r:id="rId4"/>
-    <p:sldId id="258" r:id="rId5"/>
+    <p:sldId id="260" r:id="rId5"/>
   </p:sldIdLst>
   <p:sldSz cx="18288000" cy="10287000"/>
   <p:notesSz cx="6858000" cy="9144000"/>
@@ -323,7 +323,7 @@
             <a:fld id="{1D8BD707-D9CF-40AE-B4C6-C98DA3205C09}" type="datetimeFigureOut">
               <a:rPr lang="en-US" smtClean="0"/>
               <a:pPr/>
-              <a:t>11/7/2024</a:t>
+              <a:t>11/10/2024</a:t>
             </a:fld>
             <a:endParaRPr lang="en-US"/>
           </a:p>
@@ -488,7 +488,7 @@
             <a:fld id="{1D8BD707-D9CF-40AE-B4C6-C98DA3205C09}" type="datetimeFigureOut">
               <a:rPr lang="en-US" smtClean="0"/>
               <a:pPr/>
-              <a:t>11/7/2024</a:t>
+              <a:t>11/10/2024</a:t>
             </a:fld>
             <a:endParaRPr lang="en-US"/>
           </a:p>
@@ -663,7 +663,7 @@
             <a:fld id="{1D8BD707-D9CF-40AE-B4C6-C98DA3205C09}" type="datetimeFigureOut">
               <a:rPr lang="en-US" smtClean="0"/>
               <a:pPr/>
-              <a:t>11/7/2024</a:t>
+              <a:t>11/10/2024</a:t>
             </a:fld>
             <a:endParaRPr lang="en-US"/>
           </a:p>
@@ -828,7 +828,7 @@
             <a:fld id="{1D8BD707-D9CF-40AE-B4C6-C98DA3205C09}" type="datetimeFigureOut">
               <a:rPr lang="en-US" smtClean="0"/>
               <a:pPr/>
-              <a:t>11/7/2024</a:t>
+              <a:t>11/10/2024</a:t>
             </a:fld>
             <a:endParaRPr lang="en-US"/>
           </a:p>
@@ -1070,7 +1070,7 @@
             <a:fld id="{1D8BD707-D9CF-40AE-B4C6-C98DA3205C09}" type="datetimeFigureOut">
               <a:rPr lang="en-US" smtClean="0"/>
               <a:pPr/>
-              <a:t>11/7/2024</a:t>
+              <a:t>11/10/2024</a:t>
             </a:fld>
             <a:endParaRPr lang="en-US"/>
           </a:p>
@@ -1352,7 +1352,7 @@
             <a:fld id="{1D8BD707-D9CF-40AE-B4C6-C98DA3205C09}" type="datetimeFigureOut">
               <a:rPr lang="en-US" smtClean="0"/>
               <a:pPr/>
-              <a:t>11/7/2024</a:t>
+              <a:t>11/10/2024</a:t>
             </a:fld>
             <a:endParaRPr lang="en-US"/>
           </a:p>
@@ -1768,7 +1768,7 @@
             <a:fld id="{1D8BD707-D9CF-40AE-B4C6-C98DA3205C09}" type="datetimeFigureOut">
               <a:rPr lang="en-US" smtClean="0"/>
               <a:pPr/>
-              <a:t>11/7/2024</a:t>
+              <a:t>11/10/2024</a:t>
             </a:fld>
             <a:endParaRPr lang="en-US"/>
           </a:p>
@@ -1882,7 +1882,7 @@
             <a:fld id="{1D8BD707-D9CF-40AE-B4C6-C98DA3205C09}" type="datetimeFigureOut">
               <a:rPr lang="en-US" smtClean="0"/>
               <a:pPr/>
-              <a:t>11/7/2024</a:t>
+              <a:t>11/10/2024</a:t>
             </a:fld>
             <a:endParaRPr lang="en-US"/>
           </a:p>
@@ -1974,7 +1974,7 @@
             <a:fld id="{1D8BD707-D9CF-40AE-B4C6-C98DA3205C09}" type="datetimeFigureOut">
               <a:rPr lang="en-US" smtClean="0"/>
               <a:pPr/>
-              <a:t>11/7/2024</a:t>
+              <a:t>11/10/2024</a:t>
             </a:fld>
             <a:endParaRPr lang="en-US"/>
           </a:p>
@@ -2246,7 +2246,7 @@
             <a:fld id="{1D8BD707-D9CF-40AE-B4C6-C98DA3205C09}" type="datetimeFigureOut">
               <a:rPr lang="en-US" smtClean="0"/>
               <a:pPr/>
-              <a:t>11/7/2024</a:t>
+              <a:t>11/10/2024</a:t>
             </a:fld>
             <a:endParaRPr lang="en-US"/>
           </a:p>
@@ -2495,7 +2495,7 @@
             <a:fld id="{1D8BD707-D9CF-40AE-B4C6-C98DA3205C09}" type="datetimeFigureOut">
               <a:rPr lang="en-US" smtClean="0"/>
               <a:pPr/>
-              <a:t>11/7/2024</a:t>
+              <a:t>11/10/2024</a:t>
             </a:fld>
             <a:endParaRPr lang="en-US"/>
           </a:p>
@@ -2703,7 +2703,7 @@
             <a:fld id="{1D8BD707-D9CF-40AE-B4C6-C98DA3205C09}" type="datetimeFigureOut">
               <a:rPr lang="en-US" smtClean="0"/>
               <a:pPr/>
-              <a:t>11/7/2024</a:t>
+              <a:t>11/10/2024</a:t>
             </a:fld>
             <a:endParaRPr lang="en-US"/>
           </a:p>
@@ -7734,8 +7734,8 @@
         </p:nvSpPr>
         <p:spPr>
           <a:xfrm>
-            <a:off x="2712399" y="6219413"/>
-            <a:ext cx="9609225" cy="3266186"/>
+            <a:off x="2712399" y="6477089"/>
+            <a:ext cx="9609225" cy="2332736"/>
           </a:xfrm>
           <a:prstGeom prst="rect">
             <a:avLst/>
@@ -7762,7 +7762,7 @@
                 <a:cs typeface="Helios Extended"/>
                 <a:sym typeface="Helios Extended"/>
               </a:rPr>
-              <a:t>meet all 100% of the electrical energy needs of Dnipro Water Treatment Plant in the summer months</a:t>
+              <a:t>100% provision of electricity needs of the Vilshanka reserve water intake</a:t>
             </a:r>
           </a:p>
           <a:p>
@@ -7786,6 +7786,9 @@
               <a:lnSpc>
                 <a:spcPts val="3724"/>
               </a:lnSpc>
+              <a:spcBef>
+                <a:spcPct val="0"/>
+              </a:spcBef>
             </a:pPr>
             <a:r>
               <a:rPr lang="en-US" sz="2660">
@@ -7797,27 +7800,8 @@
                 <a:cs typeface="Helios Extended"/>
                 <a:sym typeface="Helios Extended"/>
               </a:rPr>
-              <a:t>to supply excess electricity to the power grid of the village of Sokyrno, where 199 residents live</a:t>
-            </a:r>
-          </a:p>
-          <a:p>
-            <a:pPr algn="l">
-              <a:lnSpc>
-                <a:spcPts val="3724"/>
-              </a:lnSpc>
-              <a:spcBef>
-                <a:spcPct val="0"/>
-              </a:spcBef>
-            </a:pPr>
-            <a:endParaRPr lang="en-US" sz="2660">
-              <a:solidFill>
-                <a:srgbClr val="154062"/>
-              </a:solidFill>
-              <a:latin typeface="Helios Extended"/>
-              <a:ea typeface="Helios Extended"/>
-              <a:cs typeface="Helios Extended"/>
-              <a:sym typeface="Helios Extended"/>
-            </a:endParaRPr>
+              <a:t>to give surplus electricity to the power grid of the village of Sokyrno, where 199 residents live</a:t>
+            </a:r>
           </a:p>
         </p:txBody>
       </p:sp>

--- a/public/projects/15-solar-power-plant-vilshanka/15-solar-power-plant-vilshanka.pptx
+++ b/public/projects/15-solar-power-plant-vilshanka/15-solar-power-plant-vilshanka.pptx
@@ -7,7 +7,7 @@
   <p:sldIdLst>
     <p:sldId id="259" r:id="rId2"/>
     <p:sldId id="256" r:id="rId3"/>
-    <p:sldId id="257" r:id="rId4"/>
+    <p:sldId id="261" r:id="rId4"/>
     <p:sldId id="260" r:id="rId5"/>
   </p:sldIdLst>
   <p:sldSz cx="18288000" cy="10287000"/>
@@ -323,7 +323,7 @@
             <a:fld id="{1D8BD707-D9CF-40AE-B4C6-C98DA3205C09}" type="datetimeFigureOut">
               <a:rPr lang="en-US" smtClean="0"/>
               <a:pPr/>
-              <a:t>11/10/2024</a:t>
+              <a:t>11/11/2024</a:t>
             </a:fld>
             <a:endParaRPr lang="en-US"/>
           </a:p>
@@ -488,7 +488,7 @@
             <a:fld id="{1D8BD707-D9CF-40AE-B4C6-C98DA3205C09}" type="datetimeFigureOut">
               <a:rPr lang="en-US" smtClean="0"/>
               <a:pPr/>
-              <a:t>11/10/2024</a:t>
+              <a:t>11/11/2024</a:t>
             </a:fld>
             <a:endParaRPr lang="en-US"/>
           </a:p>
@@ -663,7 +663,7 @@
             <a:fld id="{1D8BD707-D9CF-40AE-B4C6-C98DA3205C09}" type="datetimeFigureOut">
               <a:rPr lang="en-US" smtClean="0"/>
               <a:pPr/>
-              <a:t>11/10/2024</a:t>
+              <a:t>11/11/2024</a:t>
             </a:fld>
             <a:endParaRPr lang="en-US"/>
           </a:p>
@@ -828,7 +828,7 @@
             <a:fld id="{1D8BD707-D9CF-40AE-B4C6-C98DA3205C09}" type="datetimeFigureOut">
               <a:rPr lang="en-US" smtClean="0"/>
               <a:pPr/>
-              <a:t>11/10/2024</a:t>
+              <a:t>11/11/2024</a:t>
             </a:fld>
             <a:endParaRPr lang="en-US"/>
           </a:p>
@@ -1070,7 +1070,7 @@
             <a:fld id="{1D8BD707-D9CF-40AE-B4C6-C98DA3205C09}" type="datetimeFigureOut">
               <a:rPr lang="en-US" smtClean="0"/>
               <a:pPr/>
-              <a:t>11/10/2024</a:t>
+              <a:t>11/11/2024</a:t>
             </a:fld>
             <a:endParaRPr lang="en-US"/>
           </a:p>
@@ -1352,7 +1352,7 @@
             <a:fld id="{1D8BD707-D9CF-40AE-B4C6-C98DA3205C09}" type="datetimeFigureOut">
               <a:rPr lang="en-US" smtClean="0"/>
               <a:pPr/>
-              <a:t>11/10/2024</a:t>
+              <a:t>11/11/2024</a:t>
             </a:fld>
             <a:endParaRPr lang="en-US"/>
           </a:p>
@@ -1768,7 +1768,7 @@
             <a:fld id="{1D8BD707-D9CF-40AE-B4C6-C98DA3205C09}" type="datetimeFigureOut">
               <a:rPr lang="en-US" smtClean="0"/>
               <a:pPr/>
-              <a:t>11/10/2024</a:t>
+              <a:t>11/11/2024</a:t>
             </a:fld>
             <a:endParaRPr lang="en-US"/>
           </a:p>
@@ -1882,7 +1882,7 @@
             <a:fld id="{1D8BD707-D9CF-40AE-B4C6-C98DA3205C09}" type="datetimeFigureOut">
               <a:rPr lang="en-US" smtClean="0"/>
               <a:pPr/>
-              <a:t>11/10/2024</a:t>
+              <a:t>11/11/2024</a:t>
             </a:fld>
             <a:endParaRPr lang="en-US"/>
           </a:p>
@@ -1974,7 +1974,7 @@
             <a:fld id="{1D8BD707-D9CF-40AE-B4C6-C98DA3205C09}" type="datetimeFigureOut">
               <a:rPr lang="en-US" smtClean="0"/>
               <a:pPr/>
-              <a:t>11/10/2024</a:t>
+              <a:t>11/11/2024</a:t>
             </a:fld>
             <a:endParaRPr lang="en-US"/>
           </a:p>
@@ -2246,7 +2246,7 @@
             <a:fld id="{1D8BD707-D9CF-40AE-B4C6-C98DA3205C09}" type="datetimeFigureOut">
               <a:rPr lang="en-US" smtClean="0"/>
               <a:pPr/>
-              <a:t>11/10/2024</a:t>
+              <a:t>11/11/2024</a:t>
             </a:fld>
             <a:endParaRPr lang="en-US"/>
           </a:p>
@@ -2495,7 +2495,7 @@
             <a:fld id="{1D8BD707-D9CF-40AE-B4C6-C98DA3205C09}" type="datetimeFigureOut">
               <a:rPr lang="en-US" smtClean="0"/>
               <a:pPr/>
-              <a:t>11/10/2024</a:t>
+              <a:t>11/11/2024</a:t>
             </a:fld>
             <a:endParaRPr lang="en-US"/>
           </a:p>
@@ -2703,7 +2703,7 @@
             <a:fld id="{1D8BD707-D9CF-40AE-B4C6-C98DA3205C09}" type="datetimeFigureOut">
               <a:rPr lang="en-US" smtClean="0"/>
               <a:pPr/>
-              <a:t>11/10/2024</a:t>
+              <a:t>11/11/2024</a:t>
             </a:fld>
             <a:endParaRPr lang="en-US"/>
           </a:p>
@@ -5533,7 +5533,7 @@
         </p:nvSpPr>
         <p:spPr>
           <a:xfrm>
-            <a:off x="1556697" y="4077787"/>
+            <a:off x="1536571" y="4286022"/>
             <a:ext cx="528005" cy="542936"/>
           </a:xfrm>
           <a:custGeom>
@@ -5551,10 +5551,10 @@
                   <a:pt x="528005" y="0"/>
                 </a:lnTo>
                 <a:lnTo>
-                  <a:pt x="528005" y="542936"/>
-                </a:lnTo>
-                <a:lnTo>
-                  <a:pt x="0" y="542936"/>
+                  <a:pt x="528005" y="542935"/>
+                </a:lnTo>
+                <a:lnTo>
+                  <a:pt x="0" y="542935"/>
                 </a:lnTo>
                 <a:lnTo>
                   <a:pt x="0" y="0"/>
@@ -5637,7 +5637,7 @@
         </p:nvSpPr>
         <p:spPr>
           <a:xfrm>
-            <a:off x="1513239" y="6187439"/>
+            <a:off x="1513239" y="6456265"/>
             <a:ext cx="551337" cy="541689"/>
           </a:xfrm>
           <a:custGeom>
@@ -5689,7 +5689,7 @@
         </p:nvSpPr>
         <p:spPr>
           <a:xfrm>
-            <a:off x="1556697" y="5077748"/>
+            <a:off x="1493113" y="5331664"/>
             <a:ext cx="528005" cy="528666"/>
           </a:xfrm>
           <a:custGeom>
@@ -5741,8 +5741,8 @@
         </p:nvSpPr>
         <p:spPr>
           <a:xfrm>
-            <a:off x="2475424" y="4082686"/>
-            <a:ext cx="6108009" cy="4375683"/>
+            <a:off x="2475424" y="4444636"/>
+            <a:ext cx="6108009" cy="4013733"/>
           </a:xfrm>
           <a:prstGeom prst="rect">
             <a:avLst/>
@@ -5922,7 +5922,7 @@
                 <a:cs typeface="Helios Extended"/>
                 <a:sym typeface="Helios Extended"/>
               </a:rPr>
-              <a:t>electric capacity of SPP: 1 MW, 300 kW</a:t>
+              <a:t>electric capacity of SPP: 1 MW</a:t>
             </a:r>
           </a:p>
           <a:p>
@@ -6197,7 +6197,7 @@
         </p:nvSpPr>
         <p:spPr>
           <a:xfrm>
-            <a:off x="1556697" y="7386353"/>
+            <a:off x="1556697" y="7643528"/>
             <a:ext cx="464421" cy="460357"/>
           </a:xfrm>
           <a:custGeom>
